--- a/Other Files/Diagram 0.pptx
+++ b/Other Files/Diagram 0.pptx
@@ -104,6 +104,11 @@
       </a:defRPr>
     </a:lvl9pPr>
   </p:defaultTextStyle>
+  <p:extLst>
+    <p:ext uri="{EFAFB233-063F-42B5-8137-9DF3F51BA10A}">
+      <p15:sldGuideLst xmlns:p15="http://schemas.microsoft.com/office/powerpoint/2012/main"/>
+    </p:ext>
+  </p:extLst>
 </p:presentation>
 </file>
 
@@ -254,7 +259,7 @@
           <a:p>
             <a:fld id="{52F3E631-6A50-4185-BDEE-0930A3F49231}" type="datetimeFigureOut">
               <a:rPr lang="en-US" smtClean="0"/>
-              <a:t>11/3/2024</a:t>
+              <a:t>11/6/2024</a:t>
             </a:fld>
             <a:endParaRPr lang="en-US"/>
           </a:p>
@@ -452,7 +457,7 @@
           <a:p>
             <a:fld id="{52F3E631-6A50-4185-BDEE-0930A3F49231}" type="datetimeFigureOut">
               <a:rPr lang="en-US" smtClean="0"/>
-              <a:t>11/3/2024</a:t>
+              <a:t>11/6/2024</a:t>
             </a:fld>
             <a:endParaRPr lang="en-US"/>
           </a:p>
@@ -660,7 +665,7 @@
           <a:p>
             <a:fld id="{52F3E631-6A50-4185-BDEE-0930A3F49231}" type="datetimeFigureOut">
               <a:rPr lang="en-US" smtClean="0"/>
-              <a:t>11/3/2024</a:t>
+              <a:t>11/6/2024</a:t>
             </a:fld>
             <a:endParaRPr lang="en-US"/>
           </a:p>
@@ -858,7 +863,7 @@
           <a:p>
             <a:fld id="{52F3E631-6A50-4185-BDEE-0930A3F49231}" type="datetimeFigureOut">
               <a:rPr lang="en-US" smtClean="0"/>
-              <a:t>11/3/2024</a:t>
+              <a:t>11/6/2024</a:t>
             </a:fld>
             <a:endParaRPr lang="en-US"/>
           </a:p>
@@ -1133,7 +1138,7 @@
           <a:p>
             <a:fld id="{52F3E631-6A50-4185-BDEE-0930A3F49231}" type="datetimeFigureOut">
               <a:rPr lang="en-US" smtClean="0"/>
-              <a:t>11/3/2024</a:t>
+              <a:t>11/6/2024</a:t>
             </a:fld>
             <a:endParaRPr lang="en-US"/>
           </a:p>
@@ -1398,7 +1403,7 @@
           <a:p>
             <a:fld id="{52F3E631-6A50-4185-BDEE-0930A3F49231}" type="datetimeFigureOut">
               <a:rPr lang="en-US" smtClean="0"/>
-              <a:t>11/3/2024</a:t>
+              <a:t>11/6/2024</a:t>
             </a:fld>
             <a:endParaRPr lang="en-US"/>
           </a:p>
@@ -1810,7 +1815,7 @@
           <a:p>
             <a:fld id="{52F3E631-6A50-4185-BDEE-0930A3F49231}" type="datetimeFigureOut">
               <a:rPr lang="en-US" smtClean="0"/>
-              <a:t>11/3/2024</a:t>
+              <a:t>11/6/2024</a:t>
             </a:fld>
             <a:endParaRPr lang="en-US"/>
           </a:p>
@@ -1951,7 +1956,7 @@
           <a:p>
             <a:fld id="{52F3E631-6A50-4185-BDEE-0930A3F49231}" type="datetimeFigureOut">
               <a:rPr lang="en-US" smtClean="0"/>
-              <a:t>11/3/2024</a:t>
+              <a:t>11/6/2024</a:t>
             </a:fld>
             <a:endParaRPr lang="en-US"/>
           </a:p>
@@ -2064,7 +2069,7 @@
           <a:p>
             <a:fld id="{52F3E631-6A50-4185-BDEE-0930A3F49231}" type="datetimeFigureOut">
               <a:rPr lang="en-US" smtClean="0"/>
-              <a:t>11/3/2024</a:t>
+              <a:t>11/6/2024</a:t>
             </a:fld>
             <a:endParaRPr lang="en-US"/>
           </a:p>
@@ -2375,7 +2380,7 @@
           <a:p>
             <a:fld id="{52F3E631-6A50-4185-BDEE-0930A3F49231}" type="datetimeFigureOut">
               <a:rPr lang="en-US" smtClean="0"/>
-              <a:t>11/3/2024</a:t>
+              <a:t>11/6/2024</a:t>
             </a:fld>
             <a:endParaRPr lang="en-US"/>
           </a:p>
@@ -2663,7 +2668,7 @@
           <a:p>
             <a:fld id="{52F3E631-6A50-4185-BDEE-0930A3F49231}" type="datetimeFigureOut">
               <a:rPr lang="en-US" smtClean="0"/>
-              <a:t>11/3/2024</a:t>
+              <a:t>11/6/2024</a:t>
             </a:fld>
             <a:endParaRPr lang="en-US"/>
           </a:p>
@@ -2904,7 +2909,7 @@
           <a:p>
             <a:fld id="{52F3E631-6A50-4185-BDEE-0930A3F49231}" type="datetimeFigureOut">
               <a:rPr lang="en-US" smtClean="0"/>
-              <a:t>11/3/2024</a:t>
+              <a:t>11/6/2024</a:t>
             </a:fld>
             <a:endParaRPr lang="en-US"/>
           </a:p>
@@ -5212,7 +5217,7 @@
                     <a:latin typeface="Times New Roman" panose="02020603050405020304" pitchFamily="18" charset="0"/>
                     <a:cs typeface="Times New Roman" panose="02020603050405020304" pitchFamily="18" charset="0"/>
                   </a:rPr>
-                  <a:t>Form Database</a:t>
+                  <a:t>Plan Database</a:t>
                 </a:r>
               </a:p>
             </p:txBody>
@@ -5527,7 +5532,7 @@
                     <a:latin typeface="Times New Roman" panose="02020603050405020304" pitchFamily="18" charset="0"/>
                     <a:cs typeface="Times New Roman" panose="02020603050405020304" pitchFamily="18" charset="0"/>
                   </a:rPr>
-                  <a:t>Form Database</a:t>
+                  <a:t>User Database</a:t>
                 </a:r>
               </a:p>
             </p:txBody>
@@ -5826,8 +5831,8 @@
         </p:nvGrpSpPr>
         <p:grpSpPr>
           <a:xfrm>
-            <a:off x="9754696" y="453030"/>
-            <a:ext cx="2195545" cy="315023"/>
+            <a:off x="9699994" y="421191"/>
+            <a:ext cx="2437304" cy="377855"/>
             <a:chOff x="6096000" y="3759773"/>
             <a:chExt cx="2195545" cy="315022"/>
           </a:xfrm>
@@ -5975,7 +5980,7 @@
                     <a:latin typeface="Times New Roman" panose="02020603050405020304" pitchFamily="18" charset="0"/>
                     <a:cs typeface="Times New Roman" panose="02020603050405020304" pitchFamily="18" charset="0"/>
                   </a:rPr>
-                  <a:t>Form Database</a:t>
+                  <a:t>Notification Database</a:t>
                 </a:r>
               </a:p>
             </p:txBody>
@@ -6053,13 +6058,13 @@
           <p:nvPr/>
         </p:nvCxnSpPr>
         <p:spPr>
-          <a:xfrm rot="16200000" flipH="1">
-            <a:off x="8332201" y="-2325818"/>
-            <a:ext cx="23189" cy="5542129"/>
+          <a:xfrm rot="5400000" flipH="1" flipV="1">
+            <a:off x="8387387" y="-2388893"/>
+            <a:ext cx="7894" cy="5637205"/>
           </a:xfrm>
           <a:prstGeom prst="bentConnector3">
             <a:avLst>
-              <a:gd name="adj1" fmla="val -806572"/>
+              <a:gd name="adj1" fmla="val 2995870"/>
             </a:avLst>
           </a:prstGeom>
           <a:ln w="19050">
@@ -6101,9 +6106,9 @@
           <p:nvPr/>
         </p:nvCxnSpPr>
         <p:spPr>
-          <a:xfrm>
-            <a:off x="11114866" y="750909"/>
-            <a:ext cx="31469" cy="4554012"/>
+          <a:xfrm flipH="1">
+            <a:off x="11146334" y="778481"/>
+            <a:ext cx="63603" cy="4526444"/>
           </a:xfrm>
           <a:prstGeom prst="straightConnector1">
             <a:avLst/>

--- a/Other Files/Diagram 0.pptx
+++ b/Other Files/Diagram 0.pptx
@@ -259,7 +259,7 @@
           <a:p>
             <a:fld id="{52F3E631-6A50-4185-BDEE-0930A3F49231}" type="datetimeFigureOut">
               <a:rPr lang="en-US" smtClean="0"/>
-              <a:t>11/6/2024</a:t>
+              <a:t>1/19/2025</a:t>
             </a:fld>
             <a:endParaRPr lang="en-US"/>
           </a:p>
@@ -457,7 +457,7 @@
           <a:p>
             <a:fld id="{52F3E631-6A50-4185-BDEE-0930A3F49231}" type="datetimeFigureOut">
               <a:rPr lang="en-US" smtClean="0"/>
-              <a:t>11/6/2024</a:t>
+              <a:t>1/19/2025</a:t>
             </a:fld>
             <a:endParaRPr lang="en-US"/>
           </a:p>
@@ -665,7 +665,7 @@
           <a:p>
             <a:fld id="{52F3E631-6A50-4185-BDEE-0930A3F49231}" type="datetimeFigureOut">
               <a:rPr lang="en-US" smtClean="0"/>
-              <a:t>11/6/2024</a:t>
+              <a:t>1/19/2025</a:t>
             </a:fld>
             <a:endParaRPr lang="en-US"/>
           </a:p>
@@ -863,7 +863,7 @@
           <a:p>
             <a:fld id="{52F3E631-6A50-4185-BDEE-0930A3F49231}" type="datetimeFigureOut">
               <a:rPr lang="en-US" smtClean="0"/>
-              <a:t>11/6/2024</a:t>
+              <a:t>1/19/2025</a:t>
             </a:fld>
             <a:endParaRPr lang="en-US"/>
           </a:p>
@@ -1138,7 +1138,7 @@
           <a:p>
             <a:fld id="{52F3E631-6A50-4185-BDEE-0930A3F49231}" type="datetimeFigureOut">
               <a:rPr lang="en-US" smtClean="0"/>
-              <a:t>11/6/2024</a:t>
+              <a:t>1/19/2025</a:t>
             </a:fld>
             <a:endParaRPr lang="en-US"/>
           </a:p>
@@ -1403,7 +1403,7 @@
           <a:p>
             <a:fld id="{52F3E631-6A50-4185-BDEE-0930A3F49231}" type="datetimeFigureOut">
               <a:rPr lang="en-US" smtClean="0"/>
-              <a:t>11/6/2024</a:t>
+              <a:t>1/19/2025</a:t>
             </a:fld>
             <a:endParaRPr lang="en-US"/>
           </a:p>
@@ -1815,7 +1815,7 @@
           <a:p>
             <a:fld id="{52F3E631-6A50-4185-BDEE-0930A3F49231}" type="datetimeFigureOut">
               <a:rPr lang="en-US" smtClean="0"/>
-              <a:t>11/6/2024</a:t>
+              <a:t>1/19/2025</a:t>
             </a:fld>
             <a:endParaRPr lang="en-US"/>
           </a:p>
@@ -1956,7 +1956,7 @@
           <a:p>
             <a:fld id="{52F3E631-6A50-4185-BDEE-0930A3F49231}" type="datetimeFigureOut">
               <a:rPr lang="en-US" smtClean="0"/>
-              <a:t>11/6/2024</a:t>
+              <a:t>1/19/2025</a:t>
             </a:fld>
             <a:endParaRPr lang="en-US"/>
           </a:p>
@@ -2069,7 +2069,7 @@
           <a:p>
             <a:fld id="{52F3E631-6A50-4185-BDEE-0930A3F49231}" type="datetimeFigureOut">
               <a:rPr lang="en-US" smtClean="0"/>
-              <a:t>11/6/2024</a:t>
+              <a:t>1/19/2025</a:t>
             </a:fld>
             <a:endParaRPr lang="en-US"/>
           </a:p>
@@ -2380,7 +2380,7 @@
           <a:p>
             <a:fld id="{52F3E631-6A50-4185-BDEE-0930A3F49231}" type="datetimeFigureOut">
               <a:rPr lang="en-US" smtClean="0"/>
-              <a:t>11/6/2024</a:t>
+              <a:t>1/19/2025</a:t>
             </a:fld>
             <a:endParaRPr lang="en-US"/>
           </a:p>
@@ -2668,7 +2668,7 @@
           <a:p>
             <a:fld id="{52F3E631-6A50-4185-BDEE-0930A3F49231}" type="datetimeFigureOut">
               <a:rPr lang="en-US" smtClean="0"/>
-              <a:t>11/6/2024</a:t>
+              <a:t>1/19/2025</a:t>
             </a:fld>
             <a:endParaRPr lang="en-US"/>
           </a:p>
@@ -2909,7 +2909,7 @@
           <a:p>
             <a:fld id="{52F3E631-6A50-4185-BDEE-0930A3F49231}" type="datetimeFigureOut">
               <a:rPr lang="en-US" smtClean="0"/>
-              <a:t>11/6/2024</a:t>
+              <a:t>1/19/2025</a:t>
             </a:fld>
             <a:endParaRPr lang="en-US"/>
           </a:p>
@@ -3377,35 +3377,35 @@
           <a:p>
             <a:pPr algn="ctr"/>
             <a:r>
-              <a:rPr lang="en-US" sz="1200" dirty="0">
+              <a:rPr lang="en-US" sz="1100" dirty="0">
                 <a:solidFill>
                   <a:schemeClr val="tx1"/>
                 </a:solidFill>
-                <a:latin typeface="Times New Roman" panose="02020603050405020304" pitchFamily="18" charset="0"/>
-                <a:cs typeface="Times New Roman" panose="02020603050405020304" pitchFamily="18" charset="0"/>
+                <a:latin typeface="Arial" panose="020B0604020202020204" pitchFamily="34" charset="0"/>
+                <a:cs typeface="Arial" panose="020B0604020202020204" pitchFamily="34" charset="0"/>
               </a:rPr>
               <a:t>5.0</a:t>
             </a:r>
           </a:p>
           <a:p>
             <a:pPr algn="ctr"/>
-            <a:endParaRPr lang="en-US" sz="1200" dirty="0">
+            <a:endParaRPr lang="en-US" sz="1100" dirty="0">
               <a:solidFill>
                 <a:schemeClr val="tx1"/>
               </a:solidFill>
-              <a:latin typeface="Times New Roman" panose="02020603050405020304" pitchFamily="18" charset="0"/>
-              <a:cs typeface="Times New Roman" panose="02020603050405020304" pitchFamily="18" charset="0"/>
+              <a:latin typeface="Arial" panose="020B0604020202020204" pitchFamily="34" charset="0"/>
+              <a:cs typeface="Arial" panose="020B0604020202020204" pitchFamily="34" charset="0"/>
             </a:endParaRPr>
           </a:p>
           <a:p>
             <a:pPr algn="ctr"/>
             <a:r>
-              <a:rPr lang="en-US" sz="1200" dirty="0">
+              <a:rPr lang="en-US" sz="1100" dirty="0">
                 <a:solidFill>
                   <a:schemeClr val="tx1"/>
                 </a:solidFill>
-                <a:latin typeface="Times New Roman" panose="02020603050405020304" pitchFamily="18" charset="0"/>
-                <a:cs typeface="Times New Roman" panose="02020603050405020304" pitchFamily="18" charset="0"/>
+                <a:latin typeface="Arial" panose="020B0604020202020204" pitchFamily="34" charset="0"/>
+                <a:cs typeface="Arial" panose="020B0604020202020204" pitchFamily="34" charset="0"/>
               </a:rPr>
               <a:t>Add Member</a:t>
             </a:r>
@@ -3463,54 +3463,54 @@
           <a:p>
             <a:pPr algn="ctr"/>
             <a:r>
-              <a:rPr lang="en-US" sz="1200" dirty="0">
+              <a:rPr lang="en-US" sz="1100" dirty="0">
                 <a:solidFill>
                   <a:schemeClr val="tx1"/>
                 </a:solidFill>
-                <a:latin typeface="Times New Roman" panose="02020603050405020304" pitchFamily="18" charset="0"/>
-                <a:cs typeface="Times New Roman" panose="02020603050405020304" pitchFamily="18" charset="0"/>
+                <a:latin typeface="Arial" panose="020B0604020202020204" pitchFamily="34" charset="0"/>
+                <a:cs typeface="Arial" panose="020B0604020202020204" pitchFamily="34" charset="0"/>
               </a:rPr>
               <a:t>1.0</a:t>
             </a:r>
           </a:p>
           <a:p>
             <a:pPr algn="ctr"/>
-            <a:endParaRPr lang="en-US" sz="1200" dirty="0">
+            <a:endParaRPr lang="en-US" sz="1100" dirty="0">
               <a:solidFill>
                 <a:schemeClr val="tx1"/>
               </a:solidFill>
-              <a:latin typeface="Times New Roman" panose="02020603050405020304" pitchFamily="18" charset="0"/>
-              <a:cs typeface="Times New Roman" panose="02020603050405020304" pitchFamily="18" charset="0"/>
+              <a:latin typeface="Arial" panose="020B0604020202020204" pitchFamily="34" charset="0"/>
+              <a:cs typeface="Arial" panose="020B0604020202020204" pitchFamily="34" charset="0"/>
             </a:endParaRPr>
           </a:p>
           <a:p>
             <a:pPr algn="ctr"/>
             <a:r>
-              <a:rPr lang="en-US" sz="1200" dirty="0">
+              <a:rPr lang="en-US" sz="1100" dirty="0">
                 <a:solidFill>
                   <a:schemeClr val="tx1"/>
                 </a:solidFill>
-                <a:latin typeface="Times New Roman" panose="02020603050405020304" pitchFamily="18" charset="0"/>
-                <a:cs typeface="Times New Roman" panose="02020603050405020304" pitchFamily="18" charset="0"/>
+                <a:latin typeface="Arial" panose="020B0604020202020204" pitchFamily="34" charset="0"/>
+                <a:cs typeface="Arial" panose="020B0604020202020204" pitchFamily="34" charset="0"/>
               </a:rPr>
               <a:t>Login to </a:t>
             </a:r>
             <a:r>
-              <a:rPr lang="en-US" sz="1200" dirty="0" err="1">
+              <a:rPr lang="en-US" sz="1100" dirty="0" err="1">
                 <a:solidFill>
                   <a:schemeClr val="tx1"/>
                 </a:solidFill>
-                <a:latin typeface="Times New Roman" panose="02020603050405020304" pitchFamily="18" charset="0"/>
-                <a:cs typeface="Times New Roman" panose="02020603050405020304" pitchFamily="18" charset="0"/>
+                <a:latin typeface="Arial" panose="020B0604020202020204" pitchFamily="34" charset="0"/>
+                <a:cs typeface="Arial" panose="020B0604020202020204" pitchFamily="34" charset="0"/>
               </a:rPr>
               <a:t>ELifeSure</a:t>
             </a:r>
-            <a:endParaRPr lang="en-US" sz="1200" dirty="0">
+            <a:endParaRPr lang="en-US" sz="1100" dirty="0">
               <a:solidFill>
                 <a:schemeClr val="tx1"/>
               </a:solidFill>
-              <a:latin typeface="Times New Roman" panose="02020603050405020304" pitchFamily="18" charset="0"/>
-              <a:cs typeface="Times New Roman" panose="02020603050405020304" pitchFamily="18" charset="0"/>
+              <a:latin typeface="Arial" panose="020B0604020202020204" pitchFamily="34" charset="0"/>
+              <a:cs typeface="Arial" panose="020B0604020202020204" pitchFamily="34" charset="0"/>
             </a:endParaRPr>
           </a:p>
         </p:txBody>
@@ -3566,12 +3566,12 @@
           <a:p>
             <a:pPr algn="ctr"/>
             <a:r>
-              <a:rPr lang="en-US" sz="1400" dirty="0">
+              <a:rPr lang="en-US" sz="1200" dirty="0">
                 <a:solidFill>
                   <a:schemeClr val="tx1"/>
                 </a:solidFill>
-                <a:latin typeface="Times New Roman" panose="02020603050405020304" pitchFamily="18" charset="0"/>
-                <a:cs typeface="Times New Roman" panose="02020603050405020304" pitchFamily="18" charset="0"/>
+                <a:latin typeface="Arial" panose="020B0604020202020204" pitchFamily="34" charset="0"/>
+                <a:cs typeface="Arial" panose="020B0604020202020204" pitchFamily="34" charset="0"/>
               </a:rPr>
               <a:t>Applicant</a:t>
             </a:r>
@@ -3629,12 +3629,12 @@
           <a:p>
             <a:pPr algn="ctr"/>
             <a:r>
-              <a:rPr lang="en-US" sz="1400" dirty="0">
+              <a:rPr lang="en-US" sz="1200" dirty="0">
                 <a:solidFill>
                   <a:schemeClr val="tx1"/>
                 </a:solidFill>
-                <a:latin typeface="Times New Roman" panose="02020603050405020304" pitchFamily="18" charset="0"/>
-                <a:cs typeface="Times New Roman" panose="02020603050405020304" pitchFamily="18" charset="0"/>
+                <a:latin typeface="Arial" panose="020B0604020202020204" pitchFamily="34" charset="0"/>
+                <a:cs typeface="Arial" panose="020B0604020202020204" pitchFamily="34" charset="0"/>
               </a:rPr>
               <a:t>Agent</a:t>
             </a:r>
@@ -3692,12 +3692,12 @@
           <a:p>
             <a:pPr algn="ctr"/>
             <a:r>
-              <a:rPr lang="en-US" sz="1400" dirty="0">
+              <a:rPr lang="en-US" sz="1200" dirty="0">
                 <a:solidFill>
                   <a:schemeClr val="tx1"/>
                 </a:solidFill>
-                <a:latin typeface="Times New Roman" panose="02020603050405020304" pitchFamily="18" charset="0"/>
-                <a:cs typeface="Times New Roman" panose="02020603050405020304" pitchFamily="18" charset="0"/>
+                <a:latin typeface="Arial" panose="020B0604020202020204" pitchFamily="34" charset="0"/>
+                <a:cs typeface="Arial" panose="020B0604020202020204" pitchFamily="34" charset="0"/>
               </a:rPr>
               <a:t>Client</a:t>
             </a:r>
@@ -3755,12 +3755,12 @@
           <a:p>
             <a:pPr algn="ctr"/>
             <a:r>
-              <a:rPr lang="en-US" sz="1400" dirty="0">
+              <a:rPr lang="en-US" sz="1200" dirty="0">
                 <a:solidFill>
                   <a:schemeClr val="tx1"/>
                 </a:solidFill>
-                <a:latin typeface="Times New Roman" panose="02020603050405020304" pitchFamily="18" charset="0"/>
-                <a:cs typeface="Times New Roman" panose="02020603050405020304" pitchFamily="18" charset="0"/>
+                <a:latin typeface="Arial" panose="020B0604020202020204" pitchFamily="34" charset="0"/>
+                <a:cs typeface="Arial" panose="020B0604020202020204" pitchFamily="34" charset="0"/>
               </a:rPr>
               <a:t>Admin</a:t>
             </a:r>
@@ -3962,35 +3962,35 @@
           <a:p>
             <a:pPr algn="ctr"/>
             <a:r>
-              <a:rPr lang="en-US" sz="1200" dirty="0">
+              <a:rPr lang="en-US" sz="1100" dirty="0">
                 <a:solidFill>
                   <a:schemeClr val="tx1"/>
                 </a:solidFill>
-                <a:latin typeface="Times New Roman" panose="02020603050405020304" pitchFamily="18" charset="0"/>
-                <a:cs typeface="Times New Roman" panose="02020603050405020304" pitchFamily="18" charset="0"/>
+                <a:latin typeface="Arial" panose="020B0604020202020204" pitchFamily="34" charset="0"/>
+                <a:cs typeface="Arial" panose="020B0604020202020204" pitchFamily="34" charset="0"/>
               </a:rPr>
               <a:t>4.0</a:t>
             </a:r>
           </a:p>
           <a:p>
             <a:pPr algn="ctr"/>
-            <a:endParaRPr lang="en-US" sz="1200" dirty="0">
+            <a:endParaRPr lang="en-US" sz="1100" dirty="0">
               <a:solidFill>
                 <a:schemeClr val="tx1"/>
               </a:solidFill>
-              <a:latin typeface="Times New Roman" panose="02020603050405020304" pitchFamily="18" charset="0"/>
-              <a:cs typeface="Times New Roman" panose="02020603050405020304" pitchFamily="18" charset="0"/>
+              <a:latin typeface="Arial" panose="020B0604020202020204" pitchFamily="34" charset="0"/>
+              <a:cs typeface="Arial" panose="020B0604020202020204" pitchFamily="34" charset="0"/>
             </a:endParaRPr>
           </a:p>
           <a:p>
             <a:pPr algn="ctr"/>
             <a:r>
-              <a:rPr lang="en-US" sz="1200" dirty="0">
+              <a:rPr lang="en-US" sz="1100" dirty="0">
                 <a:solidFill>
                   <a:schemeClr val="tx1"/>
                 </a:solidFill>
-                <a:latin typeface="Times New Roman" panose="02020603050405020304" pitchFamily="18" charset="0"/>
-                <a:cs typeface="Times New Roman" panose="02020603050405020304" pitchFamily="18" charset="0"/>
+                <a:latin typeface="Arial" panose="020B0604020202020204" pitchFamily="34" charset="0"/>
+                <a:cs typeface="Arial" panose="020B0604020202020204" pitchFamily="34" charset="0"/>
               </a:rPr>
               <a:t>Add</a:t>
             </a:r>
@@ -3998,12 +3998,12 @@
           <a:p>
             <a:pPr algn="ctr"/>
             <a:r>
-              <a:rPr lang="en-US" sz="1200" dirty="0">
+              <a:rPr lang="en-US" sz="1100" dirty="0">
                 <a:solidFill>
                   <a:schemeClr val="tx1"/>
                 </a:solidFill>
-                <a:latin typeface="Times New Roman" panose="02020603050405020304" pitchFamily="18" charset="0"/>
-                <a:cs typeface="Times New Roman" panose="02020603050405020304" pitchFamily="18" charset="0"/>
+                <a:latin typeface="Arial" panose="020B0604020202020204" pitchFamily="34" charset="0"/>
+                <a:cs typeface="Arial" panose="020B0604020202020204" pitchFamily="34" charset="0"/>
               </a:rPr>
               <a:t> Plan</a:t>
             </a:r>
@@ -4061,35 +4061,35 @@
           <a:p>
             <a:pPr algn="ctr"/>
             <a:r>
-              <a:rPr lang="en-US" sz="1200" dirty="0">
+              <a:rPr lang="en-US" sz="1100" dirty="0">
                 <a:solidFill>
                   <a:schemeClr val="tx1"/>
                 </a:solidFill>
-                <a:latin typeface="Times New Roman" panose="02020603050405020304" pitchFamily="18" charset="0"/>
-                <a:cs typeface="Times New Roman" panose="02020603050405020304" pitchFamily="18" charset="0"/>
+                <a:latin typeface="Arial" panose="020B0604020202020204" pitchFamily="34" charset="0"/>
+                <a:cs typeface="Arial" panose="020B0604020202020204" pitchFamily="34" charset="0"/>
               </a:rPr>
               <a:t>3.0</a:t>
             </a:r>
           </a:p>
           <a:p>
             <a:pPr algn="ctr"/>
-            <a:endParaRPr lang="en-US" sz="1200" dirty="0">
+            <a:endParaRPr lang="en-US" sz="1100" dirty="0">
               <a:solidFill>
                 <a:schemeClr val="tx1"/>
               </a:solidFill>
-              <a:latin typeface="Times New Roman" panose="02020603050405020304" pitchFamily="18" charset="0"/>
-              <a:cs typeface="Times New Roman" panose="02020603050405020304" pitchFamily="18" charset="0"/>
+              <a:latin typeface="Arial" panose="020B0604020202020204" pitchFamily="34" charset="0"/>
+              <a:cs typeface="Arial" panose="020B0604020202020204" pitchFamily="34" charset="0"/>
             </a:endParaRPr>
           </a:p>
           <a:p>
             <a:pPr algn="ctr"/>
             <a:r>
-              <a:rPr lang="en-US" sz="1200" dirty="0">
+              <a:rPr lang="en-US" sz="1100" dirty="0">
                 <a:solidFill>
                   <a:schemeClr val="tx1"/>
                 </a:solidFill>
-                <a:latin typeface="Times New Roman" panose="02020603050405020304" pitchFamily="18" charset="0"/>
-                <a:cs typeface="Times New Roman" panose="02020603050405020304" pitchFamily="18" charset="0"/>
+                <a:latin typeface="Arial" panose="020B0604020202020204" pitchFamily="34" charset="0"/>
+                <a:cs typeface="Arial" panose="020B0604020202020204" pitchFamily="34" charset="0"/>
               </a:rPr>
               <a:t>Monitor Forms</a:t>
             </a:r>
@@ -4147,35 +4147,35 @@
           <a:p>
             <a:pPr algn="ctr"/>
             <a:r>
-              <a:rPr lang="en-US" sz="1200" dirty="0">
+              <a:rPr lang="en-US" sz="1100" dirty="0">
                 <a:solidFill>
                   <a:schemeClr val="tx1"/>
                 </a:solidFill>
-                <a:latin typeface="Times New Roman" panose="02020603050405020304" pitchFamily="18" charset="0"/>
-                <a:cs typeface="Times New Roman" panose="02020603050405020304" pitchFamily="18" charset="0"/>
+                <a:latin typeface="Arial" panose="020B0604020202020204" pitchFamily="34" charset="0"/>
+                <a:cs typeface="Arial" panose="020B0604020202020204" pitchFamily="34" charset="0"/>
               </a:rPr>
               <a:t>6.0</a:t>
             </a:r>
           </a:p>
           <a:p>
             <a:pPr algn="ctr"/>
-            <a:endParaRPr lang="en-US" sz="1200" dirty="0">
+            <a:endParaRPr lang="en-US" sz="1100" dirty="0">
               <a:solidFill>
                 <a:schemeClr val="tx1"/>
               </a:solidFill>
-              <a:latin typeface="Times New Roman" panose="02020603050405020304" pitchFamily="18" charset="0"/>
-              <a:cs typeface="Times New Roman" panose="02020603050405020304" pitchFamily="18" charset="0"/>
+              <a:latin typeface="Arial" panose="020B0604020202020204" pitchFamily="34" charset="0"/>
+              <a:cs typeface="Arial" panose="020B0604020202020204" pitchFamily="34" charset="0"/>
             </a:endParaRPr>
           </a:p>
           <a:p>
             <a:pPr algn="ctr"/>
             <a:r>
-              <a:rPr lang="en-US" sz="1200" dirty="0">
+              <a:rPr lang="en-US" sz="1100" dirty="0">
                 <a:solidFill>
                   <a:schemeClr val="tx1"/>
                 </a:solidFill>
-                <a:latin typeface="Times New Roman" panose="02020603050405020304" pitchFamily="18" charset="0"/>
-                <a:cs typeface="Times New Roman" panose="02020603050405020304" pitchFamily="18" charset="0"/>
+                <a:latin typeface="Arial" panose="020B0604020202020204" pitchFamily="34" charset="0"/>
+                <a:cs typeface="Arial" panose="020B0604020202020204" pitchFamily="34" charset="0"/>
               </a:rPr>
               <a:t>Select</a:t>
             </a:r>
@@ -4183,12 +4183,12 @@
           <a:p>
             <a:pPr algn="ctr"/>
             <a:r>
-              <a:rPr lang="en-US" sz="1200" dirty="0">
+              <a:rPr lang="en-US" sz="1100" dirty="0">
                 <a:solidFill>
                   <a:schemeClr val="tx1"/>
                 </a:solidFill>
-                <a:latin typeface="Times New Roman" panose="02020603050405020304" pitchFamily="18" charset="0"/>
-                <a:cs typeface="Times New Roman" panose="02020603050405020304" pitchFamily="18" charset="0"/>
+                <a:latin typeface="Arial" panose="020B0604020202020204" pitchFamily="34" charset="0"/>
+                <a:cs typeface="Arial" panose="020B0604020202020204" pitchFamily="34" charset="0"/>
               </a:rPr>
               <a:t>Plan</a:t>
             </a:r>
@@ -4246,35 +4246,35 @@
           <a:p>
             <a:pPr algn="ctr"/>
             <a:r>
-              <a:rPr lang="en-US" sz="1200" dirty="0">
+              <a:rPr lang="en-US" sz="1100" dirty="0">
                 <a:solidFill>
                   <a:schemeClr val="tx1"/>
                 </a:solidFill>
-                <a:latin typeface="Times New Roman" panose="02020603050405020304" pitchFamily="18" charset="0"/>
-                <a:cs typeface="Times New Roman" panose="02020603050405020304" pitchFamily="18" charset="0"/>
+                <a:latin typeface="Arial" panose="020B0604020202020204" pitchFamily="34" charset="0"/>
+                <a:cs typeface="Arial" panose="020B0604020202020204" pitchFamily="34" charset="0"/>
               </a:rPr>
               <a:t>8.0</a:t>
             </a:r>
           </a:p>
           <a:p>
             <a:pPr algn="ctr"/>
-            <a:endParaRPr lang="en-US" sz="1200" dirty="0">
+            <a:endParaRPr lang="en-US" sz="1100" dirty="0">
               <a:solidFill>
                 <a:schemeClr val="tx1"/>
               </a:solidFill>
-              <a:latin typeface="Times New Roman" panose="02020603050405020304" pitchFamily="18" charset="0"/>
-              <a:cs typeface="Times New Roman" panose="02020603050405020304" pitchFamily="18" charset="0"/>
+              <a:latin typeface="Arial" panose="020B0604020202020204" pitchFamily="34" charset="0"/>
+              <a:cs typeface="Arial" panose="020B0604020202020204" pitchFamily="34" charset="0"/>
             </a:endParaRPr>
           </a:p>
           <a:p>
             <a:pPr algn="ctr"/>
             <a:r>
-              <a:rPr lang="en-US" sz="1200" dirty="0">
+              <a:rPr lang="en-US" sz="1100" dirty="0">
                 <a:solidFill>
                   <a:schemeClr val="tx1"/>
                 </a:solidFill>
-                <a:latin typeface="Times New Roman" panose="02020603050405020304" pitchFamily="18" charset="0"/>
-                <a:cs typeface="Times New Roman" panose="02020603050405020304" pitchFamily="18" charset="0"/>
+                <a:latin typeface="Arial" panose="020B0604020202020204" pitchFamily="34" charset="0"/>
+                <a:cs typeface="Arial" panose="020B0604020202020204" pitchFamily="34" charset="0"/>
               </a:rPr>
               <a:t>Monitor Forms</a:t>
             </a:r>
@@ -4332,54 +4332,54 @@
           <a:p>
             <a:pPr algn="ctr"/>
             <a:r>
-              <a:rPr lang="en-US" sz="1200" dirty="0">
+              <a:rPr lang="en-US" sz="1100" dirty="0">
                 <a:solidFill>
                   <a:schemeClr val="tx1"/>
                 </a:solidFill>
-                <a:latin typeface="Times New Roman" panose="02020603050405020304" pitchFamily="18" charset="0"/>
-                <a:cs typeface="Times New Roman" panose="02020603050405020304" pitchFamily="18" charset="0"/>
+                <a:latin typeface="Arial" panose="020B0604020202020204" pitchFamily="34" charset="0"/>
+                <a:cs typeface="Arial" panose="020B0604020202020204" pitchFamily="34" charset="0"/>
               </a:rPr>
               <a:t>7.0</a:t>
             </a:r>
           </a:p>
           <a:p>
             <a:pPr algn="ctr"/>
-            <a:endParaRPr lang="en-US" sz="1200" dirty="0">
+            <a:endParaRPr lang="en-US" sz="1100" dirty="0">
               <a:solidFill>
                 <a:schemeClr val="tx1"/>
               </a:solidFill>
-              <a:latin typeface="Times New Roman" panose="02020603050405020304" pitchFamily="18" charset="0"/>
-              <a:cs typeface="Times New Roman" panose="02020603050405020304" pitchFamily="18" charset="0"/>
+              <a:latin typeface="Arial" panose="020B0604020202020204" pitchFamily="34" charset="0"/>
+              <a:cs typeface="Arial" panose="020B0604020202020204" pitchFamily="34" charset="0"/>
             </a:endParaRPr>
           </a:p>
           <a:p>
             <a:pPr algn="ctr"/>
             <a:r>
-              <a:rPr lang="en-US" sz="1200" dirty="0">
+              <a:rPr lang="en-US" sz="1100" dirty="0">
                 <a:solidFill>
                   <a:schemeClr val="tx1"/>
                 </a:solidFill>
-                <a:latin typeface="Times New Roman" panose="02020603050405020304" pitchFamily="18" charset="0"/>
-                <a:cs typeface="Times New Roman" panose="02020603050405020304" pitchFamily="18" charset="0"/>
+                <a:latin typeface="Arial" panose="020B0604020202020204" pitchFamily="34" charset="0"/>
+                <a:cs typeface="Arial" panose="020B0604020202020204" pitchFamily="34" charset="0"/>
               </a:rPr>
               <a:t>Generate</a:t>
             </a:r>
             <a:br>
-              <a:rPr lang="en-US" sz="1200" dirty="0">
+              <a:rPr lang="en-US" sz="1100" dirty="0">
                 <a:solidFill>
                   <a:schemeClr val="tx1"/>
                 </a:solidFill>
-                <a:latin typeface="Times New Roman" panose="02020603050405020304" pitchFamily="18" charset="0"/>
-                <a:cs typeface="Times New Roman" panose="02020603050405020304" pitchFamily="18" charset="0"/>
+                <a:latin typeface="Arial" panose="020B0604020202020204" pitchFamily="34" charset="0"/>
+                <a:cs typeface="Arial" panose="020B0604020202020204" pitchFamily="34" charset="0"/>
               </a:rPr>
             </a:br>
             <a:r>
-              <a:rPr lang="en-US" sz="1200" dirty="0">
+              <a:rPr lang="en-US" sz="1100" dirty="0">
                 <a:solidFill>
                   <a:schemeClr val="tx1"/>
                 </a:solidFill>
-                <a:latin typeface="Times New Roman" panose="02020603050405020304" pitchFamily="18" charset="0"/>
-                <a:cs typeface="Times New Roman" panose="02020603050405020304" pitchFamily="18" charset="0"/>
+                <a:latin typeface="Arial" panose="020B0604020202020204" pitchFamily="34" charset="0"/>
+                <a:cs typeface="Arial" panose="020B0604020202020204" pitchFamily="34" charset="0"/>
               </a:rPr>
               <a:t>QR Code</a:t>
             </a:r>
@@ -4437,35 +4437,35 @@
           <a:p>
             <a:pPr algn="ctr"/>
             <a:r>
-              <a:rPr lang="en-US" sz="1200" dirty="0">
+              <a:rPr lang="en-US" sz="1100" dirty="0">
                 <a:solidFill>
                   <a:schemeClr val="tx1"/>
                 </a:solidFill>
-                <a:latin typeface="Times New Roman" panose="02020603050405020304" pitchFamily="18" charset="0"/>
-                <a:cs typeface="Times New Roman" panose="02020603050405020304" pitchFamily="18" charset="0"/>
+                <a:latin typeface="Arial" panose="020B0604020202020204" pitchFamily="34" charset="0"/>
+                <a:cs typeface="Arial" panose="020B0604020202020204" pitchFamily="34" charset="0"/>
               </a:rPr>
               <a:t>9.0</a:t>
             </a:r>
           </a:p>
           <a:p>
             <a:pPr algn="ctr"/>
-            <a:endParaRPr lang="en-US" sz="1200" dirty="0">
+            <a:endParaRPr lang="en-US" sz="1100" dirty="0">
               <a:solidFill>
                 <a:schemeClr val="tx1"/>
               </a:solidFill>
-              <a:latin typeface="Times New Roman" panose="02020603050405020304" pitchFamily="18" charset="0"/>
-              <a:cs typeface="Times New Roman" panose="02020603050405020304" pitchFamily="18" charset="0"/>
+              <a:latin typeface="Arial" panose="020B0604020202020204" pitchFamily="34" charset="0"/>
+              <a:cs typeface="Arial" panose="020B0604020202020204" pitchFamily="34" charset="0"/>
             </a:endParaRPr>
           </a:p>
           <a:p>
             <a:pPr algn="ctr"/>
             <a:r>
-              <a:rPr lang="en-US" sz="1200" dirty="0">
+              <a:rPr lang="en-US" sz="1100" dirty="0">
                 <a:solidFill>
                   <a:schemeClr val="tx1"/>
                 </a:solidFill>
-                <a:latin typeface="Times New Roman" panose="02020603050405020304" pitchFamily="18" charset="0"/>
-                <a:cs typeface="Times New Roman" panose="02020603050405020304" pitchFamily="18" charset="0"/>
+                <a:latin typeface="Arial" panose="020B0604020202020204" pitchFamily="34" charset="0"/>
+                <a:cs typeface="Arial" panose="020B0604020202020204" pitchFamily="34" charset="0"/>
               </a:rPr>
               <a:t>Monitor Data</a:t>
             </a:r>
@@ -4523,35 +4523,35 @@
           <a:p>
             <a:pPr algn="ctr"/>
             <a:r>
-              <a:rPr lang="en-US" sz="1200" dirty="0">
+              <a:rPr lang="en-US" sz="1100" dirty="0">
                 <a:solidFill>
                   <a:schemeClr val="tx1"/>
                 </a:solidFill>
-                <a:latin typeface="Times New Roman" panose="02020603050405020304" pitchFamily="18" charset="0"/>
-                <a:cs typeface="Times New Roman" panose="02020603050405020304" pitchFamily="18" charset="0"/>
+                <a:latin typeface="Arial" panose="020B0604020202020204" pitchFamily="34" charset="0"/>
+                <a:cs typeface="Arial" panose="020B0604020202020204" pitchFamily="34" charset="0"/>
               </a:rPr>
               <a:t>7.0</a:t>
             </a:r>
           </a:p>
           <a:p>
             <a:pPr algn="ctr"/>
-            <a:endParaRPr lang="en-US" sz="1200" dirty="0">
+            <a:endParaRPr lang="en-US" sz="1100" dirty="0">
               <a:solidFill>
                 <a:schemeClr val="tx1"/>
               </a:solidFill>
-              <a:latin typeface="Times New Roman" panose="02020603050405020304" pitchFamily="18" charset="0"/>
-              <a:cs typeface="Times New Roman" panose="02020603050405020304" pitchFamily="18" charset="0"/>
+              <a:latin typeface="Arial" panose="020B0604020202020204" pitchFamily="34" charset="0"/>
+              <a:cs typeface="Arial" panose="020B0604020202020204" pitchFamily="34" charset="0"/>
             </a:endParaRPr>
           </a:p>
           <a:p>
             <a:pPr algn="ctr"/>
             <a:r>
-              <a:rPr lang="en-US" sz="1200" dirty="0">
+              <a:rPr lang="en-US" sz="1100" dirty="0">
                 <a:solidFill>
                   <a:schemeClr val="tx1"/>
                 </a:solidFill>
-                <a:latin typeface="Times New Roman" panose="02020603050405020304" pitchFamily="18" charset="0"/>
-                <a:cs typeface="Times New Roman" panose="02020603050405020304" pitchFamily="18" charset="0"/>
+                <a:latin typeface="Arial" panose="020B0604020202020204" pitchFamily="34" charset="0"/>
+                <a:cs typeface="Arial" panose="020B0604020202020204" pitchFamily="34" charset="0"/>
               </a:rPr>
               <a:t>Receive Notification</a:t>
             </a:r>
@@ -4738,12 +4738,12 @@
               <a:p>
                 <a:pPr algn="ctr"/>
                 <a:r>
-                  <a:rPr lang="en-US" sz="1400" dirty="0">
+                  <a:rPr lang="en-US" sz="1200" dirty="0">
                     <a:solidFill>
                       <a:schemeClr val="tx1"/>
                     </a:solidFill>
-                    <a:latin typeface="Times New Roman" panose="02020603050405020304" pitchFamily="18" charset="0"/>
-                    <a:cs typeface="Times New Roman" panose="02020603050405020304" pitchFamily="18" charset="0"/>
+                    <a:latin typeface="Arial" panose="020B0604020202020204" pitchFamily="34" charset="0"/>
+                    <a:cs typeface="Arial" panose="020B0604020202020204" pitchFamily="34" charset="0"/>
                   </a:rPr>
                   <a:t>DB1</a:t>
                 </a:r>
@@ -4803,12 +4803,12 @@
               <a:p>
                 <a:pPr algn="ctr"/>
                 <a:r>
-                  <a:rPr lang="en-US" sz="1400" dirty="0">
+                  <a:rPr lang="en-US" sz="1200" dirty="0">
                     <a:solidFill>
                       <a:schemeClr val="tx1"/>
                     </a:solidFill>
-                    <a:latin typeface="Times New Roman" panose="02020603050405020304" pitchFamily="18" charset="0"/>
-                    <a:cs typeface="Times New Roman" panose="02020603050405020304" pitchFamily="18" charset="0"/>
+                    <a:latin typeface="Arial" panose="020B0604020202020204" pitchFamily="34" charset="0"/>
+                    <a:cs typeface="Arial" panose="020B0604020202020204" pitchFamily="34" charset="0"/>
                   </a:rPr>
                   <a:t>Form Database</a:t>
                 </a:r>
@@ -4866,7 +4866,10 @@
             <a:lstStyle/>
             <a:p>
               <a:pPr algn="ctr"/>
-              <a:endParaRPr lang="en-US"/>
+              <a:endParaRPr lang="en-US" sz="1600">
+                <a:latin typeface="Arial" panose="020B0604020202020204" pitchFamily="34" charset="0"/>
+                <a:cs typeface="Arial" panose="020B0604020202020204" pitchFamily="34" charset="0"/>
+              </a:endParaRPr>
             </a:p>
           </p:txBody>
         </p:sp>
@@ -5145,12 +5148,12 @@
               <a:p>
                 <a:pPr algn="ctr"/>
                 <a:r>
-                  <a:rPr lang="en-US" sz="1400" dirty="0">
+                  <a:rPr lang="en-US" sz="1200" dirty="0">
                     <a:solidFill>
                       <a:schemeClr val="tx1"/>
                     </a:solidFill>
-                    <a:latin typeface="Times New Roman" panose="02020603050405020304" pitchFamily="18" charset="0"/>
-                    <a:cs typeface="Times New Roman" panose="02020603050405020304" pitchFamily="18" charset="0"/>
+                    <a:latin typeface="Arial" panose="020B0604020202020204" pitchFamily="34" charset="0"/>
+                    <a:cs typeface="Arial" panose="020B0604020202020204" pitchFamily="34" charset="0"/>
                   </a:rPr>
                   <a:t>DB2</a:t>
                 </a:r>
@@ -5210,12 +5213,12 @@
               <a:p>
                 <a:pPr algn="ctr"/>
                 <a:r>
-                  <a:rPr lang="en-US" sz="1400" dirty="0">
+                  <a:rPr lang="en-US" sz="1200" dirty="0">
                     <a:solidFill>
                       <a:schemeClr val="tx1"/>
                     </a:solidFill>
-                    <a:latin typeface="Times New Roman" panose="02020603050405020304" pitchFamily="18" charset="0"/>
-                    <a:cs typeface="Times New Roman" panose="02020603050405020304" pitchFamily="18" charset="0"/>
+                    <a:latin typeface="Arial" panose="020B0604020202020204" pitchFamily="34" charset="0"/>
+                    <a:cs typeface="Arial" panose="020B0604020202020204" pitchFamily="34" charset="0"/>
                   </a:rPr>
                   <a:t>Plan Database</a:t>
                 </a:r>
@@ -5273,7 +5276,10 @@
             <a:lstStyle/>
             <a:p>
               <a:pPr algn="ctr"/>
-              <a:endParaRPr lang="en-US"/>
+              <a:endParaRPr lang="en-US" sz="1600">
+                <a:latin typeface="Arial" panose="020B0604020202020204" pitchFamily="34" charset="0"/>
+                <a:cs typeface="Arial" panose="020B0604020202020204" pitchFamily="34" charset="0"/>
+              </a:endParaRPr>
             </a:p>
           </p:txBody>
         </p:sp>
@@ -5460,12 +5466,12 @@
               <a:p>
                 <a:pPr algn="ctr"/>
                 <a:r>
-                  <a:rPr lang="en-US" sz="1400" dirty="0">
+                  <a:rPr lang="en-US" sz="1200" dirty="0">
                     <a:solidFill>
                       <a:schemeClr val="tx1"/>
                     </a:solidFill>
-                    <a:latin typeface="Times New Roman" panose="02020603050405020304" pitchFamily="18" charset="0"/>
-                    <a:cs typeface="Times New Roman" panose="02020603050405020304" pitchFamily="18" charset="0"/>
+                    <a:latin typeface="Arial" panose="020B0604020202020204" pitchFamily="34" charset="0"/>
+                    <a:cs typeface="Arial" panose="020B0604020202020204" pitchFamily="34" charset="0"/>
                   </a:rPr>
                   <a:t>DB3</a:t>
                 </a:r>
@@ -5525,12 +5531,12 @@
               <a:p>
                 <a:pPr algn="ctr"/>
                 <a:r>
-                  <a:rPr lang="en-US" sz="1400" dirty="0">
+                  <a:rPr lang="en-US" sz="1200" dirty="0">
                     <a:solidFill>
                       <a:schemeClr val="tx1"/>
                     </a:solidFill>
-                    <a:latin typeface="Times New Roman" panose="02020603050405020304" pitchFamily="18" charset="0"/>
-                    <a:cs typeface="Times New Roman" panose="02020603050405020304" pitchFamily="18" charset="0"/>
+                    <a:latin typeface="Arial" panose="020B0604020202020204" pitchFamily="34" charset="0"/>
+                    <a:cs typeface="Arial" panose="020B0604020202020204" pitchFamily="34" charset="0"/>
                   </a:rPr>
                   <a:t>User Database</a:t>
                 </a:r>
@@ -5588,7 +5594,10 @@
             <a:lstStyle/>
             <a:p>
               <a:pPr algn="ctr"/>
-              <a:endParaRPr lang="en-US"/>
+              <a:endParaRPr lang="en-US" sz="1600">
+                <a:latin typeface="Arial" panose="020B0604020202020204" pitchFamily="34" charset="0"/>
+                <a:cs typeface="Arial" panose="020B0604020202020204" pitchFamily="34" charset="0"/>
+              </a:endParaRPr>
             </a:p>
           </p:txBody>
         </p:sp>
@@ -5782,35 +5791,35 @@
           <a:p>
             <a:pPr algn="ctr"/>
             <a:r>
-              <a:rPr lang="en-US" sz="1200" dirty="0">
+              <a:rPr lang="en-US" sz="1100" dirty="0">
                 <a:solidFill>
                   <a:schemeClr val="tx1"/>
                 </a:solidFill>
-                <a:latin typeface="Times New Roman" panose="02020603050405020304" pitchFamily="18" charset="0"/>
-                <a:cs typeface="Times New Roman" panose="02020603050405020304" pitchFamily="18" charset="0"/>
+                <a:latin typeface="Arial" panose="020B0604020202020204" pitchFamily="34" charset="0"/>
+                <a:cs typeface="Arial" panose="020B0604020202020204" pitchFamily="34" charset="0"/>
               </a:rPr>
               <a:t>2.0</a:t>
             </a:r>
           </a:p>
           <a:p>
             <a:pPr algn="ctr"/>
-            <a:endParaRPr lang="en-US" sz="1200" dirty="0">
+            <a:endParaRPr lang="en-US" sz="1100" dirty="0">
               <a:solidFill>
                 <a:schemeClr val="tx1"/>
               </a:solidFill>
-              <a:latin typeface="Times New Roman" panose="02020603050405020304" pitchFamily="18" charset="0"/>
-              <a:cs typeface="Times New Roman" panose="02020603050405020304" pitchFamily="18" charset="0"/>
+              <a:latin typeface="Arial" panose="020B0604020202020204" pitchFamily="34" charset="0"/>
+              <a:cs typeface="Arial" panose="020B0604020202020204" pitchFamily="34" charset="0"/>
             </a:endParaRPr>
           </a:p>
           <a:p>
             <a:pPr algn="ctr"/>
             <a:r>
-              <a:rPr lang="en-US" sz="1200" dirty="0">
+              <a:rPr lang="en-US" sz="1100" dirty="0">
                 <a:solidFill>
                   <a:schemeClr val="tx1"/>
                 </a:solidFill>
-                <a:latin typeface="Times New Roman" panose="02020603050405020304" pitchFamily="18" charset="0"/>
-                <a:cs typeface="Times New Roman" panose="02020603050405020304" pitchFamily="18" charset="0"/>
+                <a:latin typeface="Arial" panose="020B0604020202020204" pitchFamily="34" charset="0"/>
+                <a:cs typeface="Arial" panose="020B0604020202020204" pitchFamily="34" charset="0"/>
               </a:rPr>
               <a:t>Add Form Information</a:t>
             </a:r>
@@ -5908,12 +5917,12 @@
               <a:p>
                 <a:pPr algn="ctr"/>
                 <a:r>
-                  <a:rPr lang="en-US" sz="1400" dirty="0">
+                  <a:rPr lang="en-US" sz="1200" dirty="0">
                     <a:solidFill>
                       <a:schemeClr val="tx1"/>
                     </a:solidFill>
-                    <a:latin typeface="Times New Roman" panose="02020603050405020304" pitchFamily="18" charset="0"/>
-                    <a:cs typeface="Times New Roman" panose="02020603050405020304" pitchFamily="18" charset="0"/>
+                    <a:latin typeface="Arial" panose="020B0604020202020204" pitchFamily="34" charset="0"/>
+                    <a:cs typeface="Arial" panose="020B0604020202020204" pitchFamily="34" charset="0"/>
                   </a:rPr>
                   <a:t>DB4</a:t>
                 </a:r>
@@ -5973,12 +5982,12 @@
               <a:p>
                 <a:pPr algn="ctr"/>
                 <a:r>
-                  <a:rPr lang="en-US" sz="1400" dirty="0">
+                  <a:rPr lang="en-US" sz="1200" dirty="0">
                     <a:solidFill>
                       <a:schemeClr val="tx1"/>
                     </a:solidFill>
-                    <a:latin typeface="Times New Roman" panose="02020603050405020304" pitchFamily="18" charset="0"/>
-                    <a:cs typeface="Times New Roman" panose="02020603050405020304" pitchFamily="18" charset="0"/>
+                    <a:latin typeface="Arial" panose="020B0604020202020204" pitchFamily="34" charset="0"/>
+                    <a:cs typeface="Arial" panose="020B0604020202020204" pitchFamily="34" charset="0"/>
                   </a:rPr>
                   <a:t>Notification Database</a:t>
                 </a:r>
@@ -6036,7 +6045,10 @@
             <a:lstStyle/>
             <a:p>
               <a:pPr algn="ctr"/>
-              <a:endParaRPr lang="en-US"/>
+              <a:endParaRPr lang="en-US" sz="1600">
+                <a:latin typeface="Arial" panose="020B0604020202020204" pitchFamily="34" charset="0"/>
+                <a:cs typeface="Arial" panose="020B0604020202020204" pitchFamily="34" charset="0"/>
+              </a:endParaRPr>
             </a:p>
           </p:txBody>
         </p:sp>
@@ -7055,12 +7067,12 @@
           <a:p>
             <a:pPr algn="ctr"/>
             <a:r>
-              <a:rPr lang="en-US" sz="1400" dirty="0">
+              <a:rPr lang="en-US" sz="1200" dirty="0">
                 <a:solidFill>
                   <a:schemeClr val="tx1"/>
                 </a:solidFill>
-                <a:latin typeface="Times New Roman" panose="02020603050405020304" pitchFamily="18" charset="0"/>
-                <a:cs typeface="Times New Roman" panose="02020603050405020304" pitchFamily="18" charset="0"/>
+                <a:latin typeface="Arial" panose="020B0604020202020204" pitchFamily="34" charset="0"/>
+                <a:cs typeface="Arial" panose="020B0604020202020204" pitchFamily="34" charset="0"/>
               </a:rPr>
               <a:t>User Data</a:t>
             </a:r>
@@ -7114,12 +7126,12 @@
           <a:p>
             <a:pPr algn="ctr"/>
             <a:r>
-              <a:rPr lang="en-US" sz="1400" dirty="0">
+              <a:rPr lang="en-US" sz="1200" dirty="0">
                 <a:solidFill>
                   <a:schemeClr val="tx1"/>
                 </a:solidFill>
-                <a:latin typeface="Times New Roman" panose="02020603050405020304" pitchFamily="18" charset="0"/>
-                <a:cs typeface="Times New Roman" panose="02020603050405020304" pitchFamily="18" charset="0"/>
+                <a:latin typeface="Arial" panose="020B0604020202020204" pitchFamily="34" charset="0"/>
+                <a:cs typeface="Arial" panose="020B0604020202020204" pitchFamily="34" charset="0"/>
               </a:rPr>
               <a:t>Form Record</a:t>
             </a:r>
@@ -7173,12 +7185,12 @@
           <a:p>
             <a:pPr algn="ctr"/>
             <a:r>
-              <a:rPr lang="en-US" sz="1400" dirty="0">
+              <a:rPr lang="en-US" sz="1200" dirty="0">
                 <a:solidFill>
                   <a:schemeClr val="tx1"/>
                 </a:solidFill>
-                <a:latin typeface="Times New Roman" panose="02020603050405020304" pitchFamily="18" charset="0"/>
-                <a:cs typeface="Times New Roman" panose="02020603050405020304" pitchFamily="18" charset="0"/>
+                <a:latin typeface="Arial" panose="020B0604020202020204" pitchFamily="34" charset="0"/>
+                <a:cs typeface="Arial" panose="020B0604020202020204" pitchFamily="34" charset="0"/>
               </a:rPr>
               <a:t>Save Form Information</a:t>
             </a:r>
@@ -7232,12 +7244,12 @@
           <a:p>
             <a:pPr algn="ctr"/>
             <a:r>
-              <a:rPr lang="en-US" sz="1400" dirty="0">
+              <a:rPr lang="en-US" sz="1200" dirty="0">
                 <a:solidFill>
                   <a:schemeClr val="tx1"/>
                 </a:solidFill>
-                <a:latin typeface="Times New Roman" panose="02020603050405020304" pitchFamily="18" charset="0"/>
-                <a:cs typeface="Times New Roman" panose="02020603050405020304" pitchFamily="18" charset="0"/>
+                <a:latin typeface="Arial" panose="020B0604020202020204" pitchFamily="34" charset="0"/>
+                <a:cs typeface="Arial" panose="020B0604020202020204" pitchFamily="34" charset="0"/>
               </a:rPr>
               <a:t>QR Code ID</a:t>
             </a:r>
@@ -7334,12 +7346,12 @@
           <a:p>
             <a:pPr algn="ctr"/>
             <a:r>
-              <a:rPr lang="en-US" sz="1400" dirty="0">
+              <a:rPr lang="en-US" sz="1200" dirty="0">
                 <a:solidFill>
                   <a:schemeClr val="tx1"/>
                 </a:solidFill>
-                <a:latin typeface="Times New Roman" panose="02020603050405020304" pitchFamily="18" charset="0"/>
-                <a:cs typeface="Times New Roman" panose="02020603050405020304" pitchFamily="18" charset="0"/>
+                <a:latin typeface="Arial" panose="020B0604020202020204" pitchFamily="34" charset="0"/>
+                <a:cs typeface="Arial" panose="020B0604020202020204" pitchFamily="34" charset="0"/>
               </a:rPr>
               <a:t>QR Code ID</a:t>
             </a:r>
@@ -7393,12 +7405,12 @@
           <a:p>
             <a:pPr algn="ctr"/>
             <a:r>
-              <a:rPr lang="en-US" sz="1400" dirty="0">
+              <a:rPr lang="en-US" sz="1200" dirty="0">
                 <a:solidFill>
                   <a:schemeClr val="tx1"/>
                 </a:solidFill>
-                <a:latin typeface="Times New Roman" panose="02020603050405020304" pitchFamily="18" charset="0"/>
-                <a:cs typeface="Times New Roman" panose="02020603050405020304" pitchFamily="18" charset="0"/>
+                <a:latin typeface="Arial" panose="020B0604020202020204" pitchFamily="34" charset="0"/>
+                <a:cs typeface="Arial" panose="020B0604020202020204" pitchFamily="34" charset="0"/>
               </a:rPr>
               <a:t>Plan Record</a:t>
             </a:r>
@@ -7452,12 +7464,12 @@
           <a:p>
             <a:pPr algn="ctr"/>
             <a:r>
-              <a:rPr lang="en-US" sz="1400" dirty="0">
+              <a:rPr lang="en-US" sz="1200" dirty="0">
                 <a:solidFill>
                   <a:schemeClr val="tx1"/>
                 </a:solidFill>
-                <a:latin typeface="Times New Roman" panose="02020603050405020304" pitchFamily="18" charset="0"/>
-                <a:cs typeface="Times New Roman" panose="02020603050405020304" pitchFamily="18" charset="0"/>
+                <a:latin typeface="Arial" panose="020B0604020202020204" pitchFamily="34" charset="0"/>
+                <a:cs typeface="Arial" panose="020B0604020202020204" pitchFamily="34" charset="0"/>
               </a:rPr>
               <a:t>Save Plan Request</a:t>
             </a:r>
@@ -7511,12 +7523,12 @@
           <a:p>
             <a:pPr algn="ctr"/>
             <a:r>
-              <a:rPr lang="en-US" sz="1400" dirty="0">
+              <a:rPr lang="en-US" sz="1200" dirty="0">
                 <a:solidFill>
                   <a:schemeClr val="tx1"/>
                 </a:solidFill>
-                <a:latin typeface="Times New Roman" panose="02020603050405020304" pitchFamily="18" charset="0"/>
-                <a:cs typeface="Times New Roman" panose="02020603050405020304" pitchFamily="18" charset="0"/>
+                <a:latin typeface="Arial" panose="020B0604020202020204" pitchFamily="34" charset="0"/>
+                <a:cs typeface="Arial" panose="020B0604020202020204" pitchFamily="34" charset="0"/>
               </a:rPr>
               <a:t>Notifications Details</a:t>
             </a:r>
@@ -7570,12 +7582,12 @@
           <a:p>
             <a:pPr algn="ctr"/>
             <a:r>
-              <a:rPr lang="en-US" sz="1400" dirty="0">
+              <a:rPr lang="en-US" sz="1200" dirty="0">
                 <a:solidFill>
                   <a:schemeClr val="tx1"/>
                 </a:solidFill>
-                <a:latin typeface="Times New Roman" panose="02020603050405020304" pitchFamily="18" charset="0"/>
-                <a:cs typeface="Times New Roman" panose="02020603050405020304" pitchFamily="18" charset="0"/>
+                <a:latin typeface="Arial" panose="020B0604020202020204" pitchFamily="34" charset="0"/>
+                <a:cs typeface="Arial" panose="020B0604020202020204" pitchFamily="34" charset="0"/>
               </a:rPr>
               <a:t>User Login Details</a:t>
             </a:r>
@@ -7629,12 +7641,12 @@
           <a:p>
             <a:pPr algn="ctr"/>
             <a:r>
-              <a:rPr lang="en-US" sz="1400" dirty="0">
+              <a:rPr lang="en-US" sz="1200" dirty="0">
                 <a:solidFill>
                   <a:schemeClr val="tx1"/>
                 </a:solidFill>
-                <a:latin typeface="Times New Roman" panose="02020603050405020304" pitchFamily="18" charset="0"/>
-                <a:cs typeface="Times New Roman" panose="02020603050405020304" pitchFamily="18" charset="0"/>
+                <a:latin typeface="Arial" panose="020B0604020202020204" pitchFamily="34" charset="0"/>
+                <a:cs typeface="Arial" panose="020B0604020202020204" pitchFamily="34" charset="0"/>
               </a:rPr>
               <a:t>Form Record</a:t>
             </a:r>
@@ -7688,12 +7700,12 @@
           <a:p>
             <a:pPr algn="ctr"/>
             <a:r>
-              <a:rPr lang="en-US" sz="1400" dirty="0">
+              <a:rPr lang="en-US" sz="1200" dirty="0">
                 <a:solidFill>
                   <a:schemeClr val="tx1"/>
                 </a:solidFill>
-                <a:latin typeface="Times New Roman" panose="02020603050405020304" pitchFamily="18" charset="0"/>
-                <a:cs typeface="Times New Roman" panose="02020603050405020304" pitchFamily="18" charset="0"/>
+                <a:latin typeface="Arial" panose="020B0604020202020204" pitchFamily="34" charset="0"/>
+                <a:cs typeface="Arial" panose="020B0604020202020204" pitchFamily="34" charset="0"/>
               </a:rPr>
               <a:t>Plan Record</a:t>
             </a:r>
@@ -7747,12 +7759,12 @@
           <a:p>
             <a:pPr algn="ctr"/>
             <a:r>
-              <a:rPr lang="en-US" sz="1400" dirty="0">
+              <a:rPr lang="en-US" sz="1200" dirty="0">
                 <a:solidFill>
                   <a:schemeClr val="tx1"/>
                 </a:solidFill>
-                <a:latin typeface="Times New Roman" panose="02020603050405020304" pitchFamily="18" charset="0"/>
-                <a:cs typeface="Times New Roman" panose="02020603050405020304" pitchFamily="18" charset="0"/>
+                <a:latin typeface="Arial" panose="020B0604020202020204" pitchFamily="34" charset="0"/>
+                <a:cs typeface="Arial" panose="020B0604020202020204" pitchFamily="34" charset="0"/>
               </a:rPr>
               <a:t>User</a:t>
             </a:r>
@@ -7760,12 +7772,12 @@
           <a:p>
             <a:pPr algn="ctr"/>
             <a:r>
-              <a:rPr lang="en-US" sz="1400" dirty="0">
+              <a:rPr lang="en-US" sz="1200" dirty="0">
                 <a:solidFill>
                   <a:schemeClr val="tx1"/>
                 </a:solidFill>
-                <a:latin typeface="Times New Roman" panose="02020603050405020304" pitchFamily="18" charset="0"/>
-                <a:cs typeface="Times New Roman" panose="02020603050405020304" pitchFamily="18" charset="0"/>
+                <a:latin typeface="Arial" panose="020B0604020202020204" pitchFamily="34" charset="0"/>
+                <a:cs typeface="Arial" panose="020B0604020202020204" pitchFamily="34" charset="0"/>
               </a:rPr>
               <a:t>Record</a:t>
             </a:r>
@@ -7819,12 +7831,12 @@
           <a:p>
             <a:pPr algn="ctr"/>
             <a:r>
-              <a:rPr lang="en-US" sz="1400" dirty="0">
+              <a:rPr lang="en-US" sz="1200" dirty="0">
                 <a:solidFill>
                   <a:schemeClr val="tx1"/>
                 </a:solidFill>
-                <a:latin typeface="Times New Roman" panose="02020603050405020304" pitchFamily="18" charset="0"/>
-                <a:cs typeface="Times New Roman" panose="02020603050405020304" pitchFamily="18" charset="0"/>
+                <a:latin typeface="Arial" panose="020B0604020202020204" pitchFamily="34" charset="0"/>
+                <a:cs typeface="Arial" panose="020B0604020202020204" pitchFamily="34" charset="0"/>
               </a:rPr>
               <a:t>Save User</a:t>
             </a:r>
@@ -7878,12 +7890,12 @@
           <a:p>
             <a:pPr algn="ctr"/>
             <a:r>
-              <a:rPr lang="en-US" sz="1400" dirty="0">
+              <a:rPr lang="en-US" sz="1200" dirty="0">
                 <a:solidFill>
                   <a:schemeClr val="tx1"/>
                 </a:solidFill>
-                <a:latin typeface="Times New Roman" panose="02020603050405020304" pitchFamily="18" charset="0"/>
-                <a:cs typeface="Times New Roman" panose="02020603050405020304" pitchFamily="18" charset="0"/>
+                <a:latin typeface="Arial" panose="020B0604020202020204" pitchFamily="34" charset="0"/>
+                <a:cs typeface="Arial" panose="020B0604020202020204" pitchFamily="34" charset="0"/>
               </a:rPr>
               <a:t>Save Plan</a:t>
             </a:r>
@@ -7937,12 +7949,12 @@
           <a:p>
             <a:pPr algn="ctr"/>
             <a:r>
-              <a:rPr lang="en-US" sz="1400" dirty="0">
+              <a:rPr lang="en-US" sz="1200" dirty="0">
                 <a:solidFill>
                   <a:schemeClr val="tx1"/>
                 </a:solidFill>
-                <a:latin typeface="Times New Roman" panose="02020603050405020304" pitchFamily="18" charset="0"/>
-                <a:cs typeface="Times New Roman" panose="02020603050405020304" pitchFamily="18" charset="0"/>
+                <a:latin typeface="Arial" panose="020B0604020202020204" pitchFamily="34" charset="0"/>
+                <a:cs typeface="Arial" panose="020B0604020202020204" pitchFamily="34" charset="0"/>
               </a:rPr>
               <a:t>Save Form</a:t>
             </a:r>
@@ -7996,12 +8008,12 @@
           <a:p>
             <a:pPr algn="ctr"/>
             <a:r>
-              <a:rPr lang="en-US" sz="1400" dirty="0">
+              <a:rPr lang="en-US" sz="1200" dirty="0">
                 <a:solidFill>
                   <a:schemeClr val="tx1"/>
                 </a:solidFill>
-                <a:latin typeface="Times New Roman" panose="02020603050405020304" pitchFamily="18" charset="0"/>
-                <a:cs typeface="Times New Roman" panose="02020603050405020304" pitchFamily="18" charset="0"/>
+                <a:latin typeface="Arial" panose="020B0604020202020204" pitchFamily="34" charset="0"/>
+                <a:cs typeface="Arial" panose="020B0604020202020204" pitchFamily="34" charset="0"/>
               </a:rPr>
               <a:t>Data Details</a:t>
             </a:r>
@@ -8055,12 +8067,12 @@
           <a:p>
             <a:pPr algn="ctr"/>
             <a:r>
-              <a:rPr lang="en-US" sz="1400" dirty="0">
+              <a:rPr lang="en-US" sz="1200" dirty="0">
                 <a:solidFill>
                   <a:schemeClr val="tx1"/>
                 </a:solidFill>
-                <a:latin typeface="Times New Roman" panose="02020603050405020304" pitchFamily="18" charset="0"/>
-                <a:cs typeface="Times New Roman" panose="02020603050405020304" pitchFamily="18" charset="0"/>
+                <a:latin typeface="Arial" panose="020B0604020202020204" pitchFamily="34" charset="0"/>
+                <a:cs typeface="Arial" panose="020B0604020202020204" pitchFamily="34" charset="0"/>
               </a:rPr>
               <a:t>Notification</a:t>
             </a:r>
@@ -8068,12 +8080,12 @@
           <a:p>
             <a:pPr algn="ctr"/>
             <a:r>
-              <a:rPr lang="en-US" sz="1400" dirty="0">
+              <a:rPr lang="en-US" sz="1200" dirty="0">
                 <a:solidFill>
                   <a:schemeClr val="tx1"/>
                 </a:solidFill>
-                <a:latin typeface="Times New Roman" panose="02020603050405020304" pitchFamily="18" charset="0"/>
-                <a:cs typeface="Times New Roman" panose="02020603050405020304" pitchFamily="18" charset="0"/>
+                <a:latin typeface="Arial" panose="020B0604020202020204" pitchFamily="34" charset="0"/>
+                <a:cs typeface="Arial" panose="020B0604020202020204" pitchFamily="34" charset="0"/>
               </a:rPr>
               <a:t>Details</a:t>
             </a:r>
@@ -8127,12 +8139,12 @@
           <a:p>
             <a:pPr algn="ctr"/>
             <a:r>
-              <a:rPr lang="en-US" sz="1400" dirty="0">
+              <a:rPr lang="en-US" sz="1200" dirty="0">
                 <a:solidFill>
                   <a:schemeClr val="tx1"/>
                 </a:solidFill>
-                <a:latin typeface="Times New Roman" panose="02020603050405020304" pitchFamily="18" charset="0"/>
-                <a:cs typeface="Times New Roman" panose="02020603050405020304" pitchFamily="18" charset="0"/>
+                <a:latin typeface="Arial" panose="020B0604020202020204" pitchFamily="34" charset="0"/>
+                <a:cs typeface="Arial" panose="020B0604020202020204" pitchFamily="34" charset="0"/>
               </a:rPr>
               <a:t>Notification Details</a:t>
             </a:r>
